--- a/Графики Проектов.pptx
+++ b/Графики Проектов.pptx
@@ -15,6 +15,7 @@
     <p:sldId id="263" r:id="rId9"/>
     <p:sldId id="264" r:id="rId10"/>
     <p:sldId id="265" r:id="rId11"/>
+    <p:sldId id="266" r:id="rId12"/>
   </p:sldIdLst>
   <p:sldSz cx="9144000" cy="6858000" type="screen4x3"/>
   <p:notesSz cx="6858000" cy="9144000"/>
@@ -5142,6 +5143,154 @@
     <p:extLst>
       <p:ext uri="{BB962C8B-B14F-4D97-AF65-F5344CB8AC3E}">
         <p14:creationId xmlns:p14="http://schemas.microsoft.com/office/powerpoint/2010/main" val="864883198"/>
+      </p:ext>
+    </p:extLst>
+  </p:cSld>
+  <p:clrMapOvr>
+    <a:masterClrMapping/>
+  </p:clrMapOvr>
+</p:sld>
+</file>
+
+<file path=ppt/slides/slide11.xml><?xml version="1.0" encoding="utf-8"?>
+<p:sld xmlns:a="http://schemas.openxmlformats.org/drawingml/2006/main" xmlns:r="http://schemas.openxmlformats.org/officeDocument/2006/relationships" xmlns:p="http://schemas.openxmlformats.org/presentationml/2006/main">
+  <p:cSld>
+    <p:spTree>
+      <p:nvGrpSpPr>
+        <p:cNvPr id="1" name=""/>
+        <p:cNvGrpSpPr/>
+        <p:nvPr/>
+      </p:nvGrpSpPr>
+      <p:grpSpPr>
+        <a:xfrm>
+          <a:off x="0" y="0"/>
+          <a:ext cx="0" cy="0"/>
+          <a:chOff x="0" y="0"/>
+          <a:chExt cx="0" cy="0"/>
+        </a:xfrm>
+      </p:grpSpPr>
+      <p:sp>
+        <p:nvSpPr>
+          <p:cNvPr id="2" name="Заголовок 1"/>
+          <p:cNvSpPr>
+            <a:spLocks noGrp="1"/>
+          </p:cNvSpPr>
+          <p:nvPr>
+            <p:ph type="title"/>
+          </p:nvPr>
+        </p:nvSpPr>
+        <p:spPr/>
+        <p:txBody>
+          <a:bodyPr/>
+          <a:lstStyle/>
+          <a:p>
+            <a:endParaRPr lang="ru-RU"/>
+          </a:p>
+        </p:txBody>
+      </p:sp>
+      <p:sp>
+        <p:nvSpPr>
+          <p:cNvPr id="3" name="Объект 2"/>
+          <p:cNvSpPr>
+            <a:spLocks noGrp="1"/>
+          </p:cNvSpPr>
+          <p:nvPr>
+            <p:ph idx="1"/>
+          </p:nvPr>
+        </p:nvSpPr>
+        <p:spPr/>
+        <p:txBody>
+          <a:bodyPr>
+            <a:normAutofit fontScale="47500" lnSpcReduction="20000"/>
+          </a:bodyPr>
+          <a:lstStyle/>
+          <a:p>
+            <a:r>
+              <a:rPr lang="ru-RU" dirty="0"/>
+              <a:t>Выводы</a:t>
+            </a:r>
+          </a:p>
+          <a:p>
+            <a:r>
+              <a:rPr lang="ru-RU" b="0" dirty="0"/>
+              <a:t>Успешная реализация проекта возможна только на основании плана проекта, который выполняет ряд функций: дает общую, целостную картину проекта и последовательность выполнения работ; позволяет определить для каждого момента времени, в какой степени осуществляется продвижение проекта к завершению и какие препятствия существуют или могут возникнуть на этом пути; представляет общую экономическую модель проекта, в нем указаны основные виды деятельности и графики выполнения работ.</a:t>
+            </a:r>
+          </a:p>
+          <a:p>
+            <a:r>
+              <a:rPr lang="ru-RU" b="0" dirty="0"/>
+              <a:t>Составление плана или планирование выполняет следующие функции: определяет продолжительность, структуру работ проекта, объем необходимых ресурсов и очередность их использования, последовательность выполнения работ и их финансирования.</a:t>
+            </a:r>
+          </a:p>
+          <a:p>
+            <a:r>
+              <a:rPr lang="ru-RU" b="0" dirty="0"/>
+              <a:t>В зависимости от принципов, заложенных в основу, выделяются четыре вида планов: объектно-ориентированные, функционально-ориентированные, фазово-ориентированные и смешано-ориентированные.</a:t>
+            </a:r>
+          </a:p>
+          <a:p>
+            <a:r>
+              <a:rPr lang="ru-RU" b="0" dirty="0"/>
+              <a:t>Совокупность работ, обеспечивающих выполнение целостной части плана называется пакетом работ. Пакет работ содержит информацию об ожидаемых результатах выполнения работ, конкретных заданиях, сроках их исполнения и ответственных, информацию относительно ресурсных затрат на выполнение работ пакета.</a:t>
+            </a:r>
+          </a:p>
+          <a:p>
+            <a:r>
+              <a:rPr lang="ru-RU" b="0" dirty="0"/>
+              <a:t>Планирование осуществляется с помощью определенных методов, которые называются средствами планирования. Они позволяют осуществлять планирование единообразно, обеспечивать координацию выполнения работ и заданий проекта, повышать эффективность контроля и осуществления операций проекта.</a:t>
+            </a:r>
+          </a:p>
+          <a:p>
+            <a:r>
+              <a:rPr lang="ru-RU" b="0" dirty="0"/>
+              <a:t>Выделяются следующие методы планирования:</a:t>
+            </a:r>
+          </a:p>
+          <a:p>
+            <a:r>
+              <a:rPr lang="ru-RU" b="0" dirty="0"/>
+              <a:t>1) составление плана ключевых событий и поэтапного плана (плана последовательности действий);</a:t>
+            </a:r>
+          </a:p>
+          <a:p>
+            <a:r>
+              <a:rPr lang="ru-RU" b="0" dirty="0"/>
+              <a:t>2) планирование с помощью полосовых диаграмм;</a:t>
+            </a:r>
+          </a:p>
+          <a:p>
+            <a:r>
+              <a:rPr lang="ru-RU" b="0" dirty="0"/>
+              <a:t>3) сетевое планирование.</a:t>
+            </a:r>
+          </a:p>
+          <a:p>
+            <a:r>
+              <a:rPr lang="ru-RU" b="0" dirty="0"/>
+              <a:t>Каждый из этих методов имеет свои преимущества и применяется для решения тех или иных задач. Так, в частности, составление списков действий используется для небольших проектов, где легко можно скоординировать выполнение отдельных работ, которые, как правило, следуют одна за другой.</a:t>
+            </a:r>
+          </a:p>
+          <a:p>
+            <a:r>
+              <a:rPr lang="ru-RU" b="0" dirty="0"/>
+              <a:t>Полосовые диаграммы дают наглядное представление о состоянии выполнения ряда параллельно осуществляемых работ проекта.</a:t>
+            </a:r>
+          </a:p>
+          <a:p>
+            <a:r>
+              <a:rPr lang="ru-RU" b="0" dirty="0"/>
+              <a:t>Сетевые графики позволяют управлять рядом взаимосвязанных работ проекта и вычислять критический путь.</a:t>
+            </a:r>
+          </a:p>
+          <a:p>
+            <a:endParaRPr lang="ru-RU" dirty="0"/>
+          </a:p>
+        </p:txBody>
+      </p:sp>
+    </p:spTree>
+    <p:extLst>
+      <p:ext uri="{BB962C8B-B14F-4D97-AF65-F5344CB8AC3E}">
+        <p14:creationId xmlns:p14="http://schemas.microsoft.com/office/powerpoint/2010/main" val="693188336"/>
       </p:ext>
     </p:extLst>
   </p:cSld>
